--- a/Presentation_CC2.pptx
+++ b/Presentation_CC2.pptx
@@ -122,7 +122,7 @@
 <p1510:revInfo xmlns:a="http://schemas.openxmlformats.org/drawingml/2006/main" xmlns:r="http://schemas.openxmlformats.org/officeDocument/2006/relationships" xmlns:p1510="http://schemas.microsoft.com/office/powerpoint/2015/10/main">
   <p1510:revLst>
     <p1510:client id="{27640E9B-0E2D-4DC4-8875-06D602352BD2}" v="294" dt="2022-12-20T17:19:17.381"/>
-    <p1510:client id="{5AFBACA1-EB60-4CB9-AE97-4470820D3907}" v="199" vWet="201" dt="2022-12-20T17:18:36.890"/>
+    <p1510:client id="{5AFBACA1-EB60-4CB9-AE97-4470820D3907}" v="202" dt="2022-12-20T17:54:40.960"/>
     <p1510:client id="{B624532C-7685-4C7E-AED8-3147EC3988F6}" v="305" vWet="307" dt="2022-12-20T17:12:52.496"/>
   </p1510:revLst>
 </p1510:revInfo>
@@ -355,98 +355,6 @@
           </pc:sldLayoutMkLst>
         </pc:sldLayoutChg>
       </pc:sldMasterChg>
-    </pc:docChg>
-  </pc:docChgLst>
-  <pc:docChgLst>
-    <pc:chgData name="Avelino Daniel" userId="ba5a2dda-8647-4989-9f74-67a7835fc85b" providerId="ADAL" clId="{5AFBACA1-EB60-4CB9-AE97-4470820D3907}"/>
-    <pc:docChg chg="undo custSel addSld delSld modSld sldOrd">
-      <pc:chgData name="Avelino Daniel" userId="ba5a2dda-8647-4989-9f74-67a7835fc85b" providerId="ADAL" clId="{5AFBACA1-EB60-4CB9-AE97-4470820D3907}" dt="2022-12-20T17:17:44.088" v="168" actId="255"/>
-      <pc:docMkLst>
-        <pc:docMk/>
-      </pc:docMkLst>
-      <pc:sldChg chg="modSp">
-        <pc:chgData name="Avelino Daniel" userId="ba5a2dda-8647-4989-9f74-67a7835fc85b" providerId="ADAL" clId="{5AFBACA1-EB60-4CB9-AE97-4470820D3907}" dt="2022-12-20T17:17:44.088" v="168" actId="255"/>
-        <pc:sldMkLst>
-          <pc:docMk/>
-          <pc:sldMk cId="1500896581" sldId="257"/>
-        </pc:sldMkLst>
-        <pc:graphicFrameChg chg="mod">
-          <ac:chgData name="Avelino Daniel" userId="ba5a2dda-8647-4989-9f74-67a7835fc85b" providerId="ADAL" clId="{5AFBACA1-EB60-4CB9-AE97-4470820D3907}" dt="2022-12-20T17:17:44.088" v="168" actId="255"/>
-          <ac:graphicFrameMkLst>
-            <pc:docMk/>
-            <pc:sldMk cId="1500896581" sldId="257"/>
-            <ac:graphicFrameMk id="6" creationId="{D6102119-C3FB-9BE4-D3FC-86614B10C055}"/>
-          </ac:graphicFrameMkLst>
-        </pc:graphicFrameChg>
-      </pc:sldChg>
-      <pc:sldChg chg="modSp">
-        <pc:chgData name="Avelino Daniel" userId="ba5a2dda-8647-4989-9f74-67a7835fc85b" providerId="ADAL" clId="{5AFBACA1-EB60-4CB9-AE97-4470820D3907}" dt="2022-12-20T17:04:51.160" v="44" actId="20577"/>
-        <pc:sldMkLst>
-          <pc:docMk/>
-          <pc:sldMk cId="472701667" sldId="258"/>
-        </pc:sldMkLst>
-        <pc:graphicFrameChg chg="mod">
-          <ac:chgData name="Avelino Daniel" userId="ba5a2dda-8647-4989-9f74-67a7835fc85b" providerId="ADAL" clId="{5AFBACA1-EB60-4CB9-AE97-4470820D3907}" dt="2022-12-20T17:04:51.160" v="44" actId="20577"/>
-          <ac:graphicFrameMkLst>
-            <pc:docMk/>
-            <pc:sldMk cId="472701667" sldId="258"/>
-            <ac:graphicFrameMk id="5" creationId="{DA097886-E05D-FD77-2943-7A7E5B2D1E05}"/>
-          </ac:graphicFrameMkLst>
-        </pc:graphicFrameChg>
-      </pc:sldChg>
-      <pc:sldChg chg="modSp mod ord">
-        <pc:chgData name="Avelino Daniel" userId="ba5a2dda-8647-4989-9f74-67a7835fc85b" providerId="ADAL" clId="{5AFBACA1-EB60-4CB9-AE97-4470820D3907}" dt="2022-12-20T17:16:55.677" v="166" actId="5793"/>
-        <pc:sldMkLst>
-          <pc:docMk/>
-          <pc:sldMk cId="3188043717" sldId="260"/>
-        </pc:sldMkLst>
-        <pc:spChg chg="mod">
-          <ac:chgData name="Avelino Daniel" userId="ba5a2dda-8647-4989-9f74-67a7835fc85b" providerId="ADAL" clId="{5AFBACA1-EB60-4CB9-AE97-4470820D3907}" dt="2022-12-20T17:14:16.384" v="161" actId="20577"/>
-          <ac:spMkLst>
-            <pc:docMk/>
-            <pc:sldMk cId="3188043717" sldId="260"/>
-            <ac:spMk id="3" creationId="{45F896B4-DFBF-5865-1DB4-4432B5B8B416}"/>
-          </ac:spMkLst>
-        </pc:spChg>
-        <pc:graphicFrameChg chg="mod">
-          <ac:chgData name="Avelino Daniel" userId="ba5a2dda-8647-4989-9f74-67a7835fc85b" providerId="ADAL" clId="{5AFBACA1-EB60-4CB9-AE97-4470820D3907}" dt="2022-12-20T17:16:55.677" v="166" actId="5793"/>
-          <ac:graphicFrameMkLst>
-            <pc:docMk/>
-            <pc:sldMk cId="3188043717" sldId="260"/>
-            <ac:graphicFrameMk id="5" creationId="{80AD37AF-1BC6-B449-19C1-8C3B1CA728DE}"/>
-          </ac:graphicFrameMkLst>
-        </pc:graphicFrameChg>
-      </pc:sldChg>
-      <pc:sldChg chg="modSp new mod">
-        <pc:chgData name="Avelino Daniel" userId="ba5a2dda-8647-4989-9f74-67a7835fc85b" providerId="ADAL" clId="{5AFBACA1-EB60-4CB9-AE97-4470820D3907}" dt="2022-12-20T17:03:37.820" v="30" actId="20577"/>
-        <pc:sldMkLst>
-          <pc:docMk/>
-          <pc:sldMk cId="2006528654" sldId="262"/>
-        </pc:sldMkLst>
-        <pc:spChg chg="mod">
-          <ac:chgData name="Avelino Daniel" userId="ba5a2dda-8647-4989-9f74-67a7835fc85b" providerId="ADAL" clId="{5AFBACA1-EB60-4CB9-AE97-4470820D3907}" dt="2022-12-20T17:03:37.820" v="30" actId="20577"/>
-          <ac:spMkLst>
-            <pc:docMk/>
-            <pc:sldMk cId="2006528654" sldId="262"/>
-            <ac:spMk id="2" creationId="{F4357F3E-9D4A-67AA-AD77-232D2352A816}"/>
-          </ac:spMkLst>
-        </pc:spChg>
-      </pc:sldChg>
-      <pc:sldChg chg="modSp new del mod">
-        <pc:chgData name="Avelino Daniel" userId="ba5a2dda-8647-4989-9f74-67a7835fc85b" providerId="ADAL" clId="{5AFBACA1-EB60-4CB9-AE97-4470820D3907}" dt="2022-12-20T17:08:58.039" v="51" actId="2696"/>
-        <pc:sldMkLst>
-          <pc:docMk/>
-          <pc:sldMk cId="1269541695" sldId="263"/>
-        </pc:sldMkLst>
-        <pc:spChg chg="mod">
-          <ac:chgData name="Avelino Daniel" userId="ba5a2dda-8647-4989-9f74-67a7835fc85b" providerId="ADAL" clId="{5AFBACA1-EB60-4CB9-AE97-4470820D3907}" dt="2022-12-20T17:05:04.754" v="50" actId="20577"/>
-          <ac:spMkLst>
-            <pc:docMk/>
-            <pc:sldMk cId="1269541695" sldId="263"/>
-            <ac:spMk id="2" creationId="{0797C6C1-B277-469B-658C-00A543737212}"/>
-          </ac:spMkLst>
-        </pc:spChg>
-      </pc:sldChg>
     </pc:docChg>
   </pc:docChgLst>
   <pc:docChgLst>
@@ -1293,6 +1201,114 @@
           </pc:sldLayoutMkLst>
         </pc:sldLayoutChg>
       </pc:sldMasterChg>
+    </pc:docChg>
+  </pc:docChgLst>
+  <pc:docChgLst>
+    <pc:chgData name="Avelino Daniel" userId="ba5a2dda-8647-4989-9f74-67a7835fc85b" providerId="ADAL" clId="{5AFBACA1-EB60-4CB9-AE97-4470820D3907}"/>
+    <pc:docChg chg="undo custSel addSld delSld modSld sldOrd">
+      <pc:chgData name="Avelino Daniel" userId="ba5a2dda-8647-4989-9f74-67a7835fc85b" providerId="ADAL" clId="{5AFBACA1-EB60-4CB9-AE97-4470820D3907}" dt="2022-12-20T17:54:55.321" v="177" actId="1076"/>
+      <pc:docMkLst>
+        <pc:docMk/>
+      </pc:docMkLst>
+      <pc:sldChg chg="addSp modSp mod">
+        <pc:chgData name="Avelino Daniel" userId="ba5a2dda-8647-4989-9f74-67a7835fc85b" providerId="ADAL" clId="{5AFBACA1-EB60-4CB9-AE97-4470820D3907}" dt="2022-12-20T17:54:55.321" v="177" actId="1076"/>
+        <pc:sldMkLst>
+          <pc:docMk/>
+          <pc:sldMk cId="1500896581" sldId="257"/>
+        </pc:sldMkLst>
+        <pc:spChg chg="mod">
+          <ac:chgData name="Avelino Daniel" userId="ba5a2dda-8647-4989-9f74-67a7835fc85b" providerId="ADAL" clId="{5AFBACA1-EB60-4CB9-AE97-4470820D3907}" dt="2022-12-20T17:54:23.261" v="174" actId="20577"/>
+          <ac:spMkLst>
+            <pc:docMk/>
+            <pc:sldMk cId="1500896581" sldId="257"/>
+            <ac:spMk id="2" creationId="{FFE5C4F6-089B-7B73-9A80-7D92BC794E4D}"/>
+          </ac:spMkLst>
+        </pc:spChg>
+        <pc:spChg chg="add mod">
+          <ac:chgData name="Avelino Daniel" userId="ba5a2dda-8647-4989-9f74-67a7835fc85b" providerId="ADAL" clId="{5AFBACA1-EB60-4CB9-AE97-4470820D3907}" dt="2022-12-20T17:54:55.321" v="177" actId="1076"/>
+          <ac:spMkLst>
+            <pc:docMk/>
+            <pc:sldMk cId="1500896581" sldId="257"/>
+            <ac:spMk id="3" creationId="{2FC4F7BF-FED4-3179-9258-652929333E25}"/>
+          </ac:spMkLst>
+        </pc:spChg>
+        <pc:graphicFrameChg chg="mod">
+          <ac:chgData name="Avelino Daniel" userId="ba5a2dda-8647-4989-9f74-67a7835fc85b" providerId="ADAL" clId="{5AFBACA1-EB60-4CB9-AE97-4470820D3907}" dt="2022-12-20T17:17:44.088" v="168" actId="255"/>
+          <ac:graphicFrameMkLst>
+            <pc:docMk/>
+            <pc:sldMk cId="1500896581" sldId="257"/>
+            <ac:graphicFrameMk id="6" creationId="{D6102119-C3FB-9BE4-D3FC-86614B10C055}"/>
+          </ac:graphicFrameMkLst>
+        </pc:graphicFrameChg>
+      </pc:sldChg>
+      <pc:sldChg chg="modSp">
+        <pc:chgData name="Avelino Daniel" userId="ba5a2dda-8647-4989-9f74-67a7835fc85b" providerId="ADAL" clId="{5AFBACA1-EB60-4CB9-AE97-4470820D3907}" dt="2022-12-20T17:04:51.160" v="44" actId="20577"/>
+        <pc:sldMkLst>
+          <pc:docMk/>
+          <pc:sldMk cId="472701667" sldId="258"/>
+        </pc:sldMkLst>
+        <pc:graphicFrameChg chg="mod">
+          <ac:chgData name="Avelino Daniel" userId="ba5a2dda-8647-4989-9f74-67a7835fc85b" providerId="ADAL" clId="{5AFBACA1-EB60-4CB9-AE97-4470820D3907}" dt="2022-12-20T17:04:51.160" v="44" actId="20577"/>
+          <ac:graphicFrameMkLst>
+            <pc:docMk/>
+            <pc:sldMk cId="472701667" sldId="258"/>
+            <ac:graphicFrameMk id="5" creationId="{DA097886-E05D-FD77-2943-7A7E5B2D1E05}"/>
+          </ac:graphicFrameMkLst>
+        </pc:graphicFrameChg>
+      </pc:sldChg>
+      <pc:sldChg chg="modSp mod ord">
+        <pc:chgData name="Avelino Daniel" userId="ba5a2dda-8647-4989-9f74-67a7835fc85b" providerId="ADAL" clId="{5AFBACA1-EB60-4CB9-AE97-4470820D3907}" dt="2022-12-20T17:16:55.677" v="166" actId="5793"/>
+        <pc:sldMkLst>
+          <pc:docMk/>
+          <pc:sldMk cId="3188043717" sldId="260"/>
+        </pc:sldMkLst>
+        <pc:spChg chg="mod">
+          <ac:chgData name="Avelino Daniel" userId="ba5a2dda-8647-4989-9f74-67a7835fc85b" providerId="ADAL" clId="{5AFBACA1-EB60-4CB9-AE97-4470820D3907}" dt="2022-12-20T17:14:16.384" v="161" actId="20577"/>
+          <ac:spMkLst>
+            <pc:docMk/>
+            <pc:sldMk cId="3188043717" sldId="260"/>
+            <ac:spMk id="3" creationId="{45F896B4-DFBF-5865-1DB4-4432B5B8B416}"/>
+          </ac:spMkLst>
+        </pc:spChg>
+        <pc:graphicFrameChg chg="mod">
+          <ac:chgData name="Avelino Daniel" userId="ba5a2dda-8647-4989-9f74-67a7835fc85b" providerId="ADAL" clId="{5AFBACA1-EB60-4CB9-AE97-4470820D3907}" dt="2022-12-20T17:16:55.677" v="166" actId="5793"/>
+          <ac:graphicFrameMkLst>
+            <pc:docMk/>
+            <pc:sldMk cId="3188043717" sldId="260"/>
+            <ac:graphicFrameMk id="5" creationId="{80AD37AF-1BC6-B449-19C1-8C3B1CA728DE}"/>
+          </ac:graphicFrameMkLst>
+        </pc:graphicFrameChg>
+      </pc:sldChg>
+      <pc:sldChg chg="modSp new mod">
+        <pc:chgData name="Avelino Daniel" userId="ba5a2dda-8647-4989-9f74-67a7835fc85b" providerId="ADAL" clId="{5AFBACA1-EB60-4CB9-AE97-4470820D3907}" dt="2022-12-20T17:03:37.820" v="30" actId="20577"/>
+        <pc:sldMkLst>
+          <pc:docMk/>
+          <pc:sldMk cId="2006528654" sldId="262"/>
+        </pc:sldMkLst>
+        <pc:spChg chg="mod">
+          <ac:chgData name="Avelino Daniel" userId="ba5a2dda-8647-4989-9f74-67a7835fc85b" providerId="ADAL" clId="{5AFBACA1-EB60-4CB9-AE97-4470820D3907}" dt="2022-12-20T17:03:37.820" v="30" actId="20577"/>
+          <ac:spMkLst>
+            <pc:docMk/>
+            <pc:sldMk cId="2006528654" sldId="262"/>
+            <ac:spMk id="2" creationId="{F4357F3E-9D4A-67AA-AD77-232D2352A816}"/>
+          </ac:spMkLst>
+        </pc:spChg>
+      </pc:sldChg>
+      <pc:sldChg chg="modSp new del mod">
+        <pc:chgData name="Avelino Daniel" userId="ba5a2dda-8647-4989-9f74-67a7835fc85b" providerId="ADAL" clId="{5AFBACA1-EB60-4CB9-AE97-4470820D3907}" dt="2022-12-20T17:08:58.039" v="51" actId="2696"/>
+        <pc:sldMkLst>
+          <pc:docMk/>
+          <pc:sldMk cId="1269541695" sldId="263"/>
+        </pc:sldMkLst>
+        <pc:spChg chg="mod">
+          <ac:chgData name="Avelino Daniel" userId="ba5a2dda-8647-4989-9f74-67a7835fc85b" providerId="ADAL" clId="{5AFBACA1-EB60-4CB9-AE97-4470820D3907}" dt="2022-12-20T17:05:04.754" v="50" actId="20577"/>
+          <ac:spMkLst>
+            <pc:docMk/>
+            <pc:sldMk cId="1269541695" sldId="263"/>
+            <ac:spMk id="2" creationId="{0797C6C1-B277-469B-658C-00A543737212}"/>
+          </ac:spMkLst>
+        </pc:spChg>
+      </pc:sldChg>
     </pc:docChg>
   </pc:docChgLst>
 </pc:chgInfo>
@@ -13859,7 +13875,7 @@
           <a:p>
             <a:fld id="{51845F5A-061D-4825-9AE9-D7794091C6CF}" type="slidenum">
               <a:rPr lang="en-US" smtClean="0"/>
-              <a:t>‹#›</a:t>
+              <a:t>‹N°›</a:t>
             </a:fld>
             <a:endParaRPr lang="en-US"/>
           </a:p>
@@ -16348,7 +16364,7 @@
           <a:p>
             <a:fld id="{51845F5A-061D-4825-9AE9-D7794091C6CF}" type="slidenum">
               <a:rPr lang="en-US" smtClean="0"/>
-              <a:t>‹#›</a:t>
+              <a:t>‹N°›</a:t>
             </a:fld>
             <a:endParaRPr lang="en-US"/>
           </a:p>
@@ -16546,7 +16562,7 @@
           <a:p>
             <a:fld id="{51845F5A-061D-4825-9AE9-D7794091C6CF}" type="slidenum">
               <a:rPr lang="en-US" smtClean="0"/>
-              <a:t>‹#›</a:t>
+              <a:t>‹N°›</a:t>
             </a:fld>
             <a:endParaRPr lang="en-US"/>
           </a:p>
@@ -16754,7 +16770,7 @@
           <a:p>
             <a:fld id="{51845F5A-061D-4825-9AE9-D7794091C6CF}" type="slidenum">
               <a:rPr lang="en-US" smtClean="0"/>
-              <a:t>‹#›</a:t>
+              <a:t>‹N°›</a:t>
             </a:fld>
             <a:endParaRPr lang="en-US"/>
           </a:p>
@@ -17489,7 +17505,7 @@
           <a:p>
             <a:fld id="{51845F5A-061D-4825-9AE9-D7794091C6CF}" type="slidenum">
               <a:rPr lang="en-US" smtClean="0"/>
-              <a:t>‹#›</a:t>
+              <a:t>‹N°›</a:t>
             </a:fld>
             <a:endParaRPr lang="en-US"/>
           </a:p>
@@ -18130,7 +18146,7 @@
           <a:p>
             <a:fld id="{51845F5A-061D-4825-9AE9-D7794091C6CF}" type="slidenum">
               <a:rPr lang="en-US" smtClean="0"/>
-              <a:t>‹#›</a:t>
+              <a:t>‹N°›</a:t>
             </a:fld>
             <a:endParaRPr lang="en-US"/>
           </a:p>
@@ -18927,7 +18943,7 @@
           <a:p>
             <a:fld id="{51845F5A-061D-4825-9AE9-D7794091C6CF}" type="slidenum">
               <a:rPr lang="en-US" smtClean="0"/>
-              <a:t>‹#›</a:t>
+              <a:t>‹N°›</a:t>
             </a:fld>
             <a:endParaRPr lang="en-US"/>
           </a:p>
@@ -19875,7 +19891,7 @@
           <a:p>
             <a:fld id="{51845F5A-061D-4825-9AE9-D7794091C6CF}" type="slidenum">
               <a:rPr lang="en-US" smtClean="0"/>
-              <a:t>‹#›</a:t>
+              <a:t>‹N°›</a:t>
             </a:fld>
             <a:endParaRPr lang="en-US"/>
           </a:p>
@@ -22223,7 +22239,7 @@
           <a:p>
             <a:fld id="{51845F5A-061D-4825-9AE9-D7794091C6CF}" type="slidenum">
               <a:rPr lang="en-US" smtClean="0"/>
-              <a:t>‹#›</a:t>
+              <a:t>‹N°›</a:t>
             </a:fld>
             <a:endParaRPr lang="en-US"/>
           </a:p>
@@ -22336,7 +22352,7 @@
           <a:p>
             <a:fld id="{51845F5A-061D-4825-9AE9-D7794091C6CF}" type="slidenum">
               <a:rPr lang="en-US" smtClean="0"/>
-              <a:t>‹#›</a:t>
+              <a:t>‹N°›</a:t>
             </a:fld>
             <a:endParaRPr lang="en-US"/>
           </a:p>
@@ -22843,7 +22859,7 @@
           <a:p>
             <a:fld id="{51845F5A-061D-4825-9AE9-D7794091C6CF}" type="slidenum">
               <a:rPr lang="en-US" smtClean="0"/>
-              <a:t>‹#›</a:t>
+              <a:t>‹N°›</a:t>
             </a:fld>
             <a:endParaRPr lang="en-US"/>
           </a:p>
@@ -24148,7 +24164,7 @@
           <a:p>
             <a:fld id="{51845F5A-061D-4825-9AE9-D7794091C6CF}" type="slidenum">
               <a:rPr lang="en-US" smtClean="0"/>
-              <a:t>‹#›</a:t>
+              <a:t>‹N°›</a:t>
             </a:fld>
             <a:endParaRPr lang="en-US"/>
           </a:p>
@@ -24425,7 +24441,7 @@
           <a:p>
             <a:fld id="{51845F5A-061D-4825-9AE9-D7794091C6CF}" type="slidenum">
               <a:rPr lang="en-US" smtClean="0"/>
-              <a:t>‹#›</a:t>
+              <a:t>‹N°›</a:t>
             </a:fld>
             <a:endParaRPr lang="en-US"/>
           </a:p>
@@ -28929,14 +28945,14 @@
           <a:lstStyle/>
           <a:p>
             <a:r>
-              <a:rPr lang="fr-CH"/>
+              <a:rPr lang="fr-CH" dirty="0"/>
               <a:t>Our </a:t>
             </a:r>
             <a:r>
-              <a:rPr lang="fr-CH" err="1"/>
+              <a:rPr lang="fr-CH" dirty="0" err="1"/>
               <a:t>dataset</a:t>
             </a:r>
-            <a:endParaRPr lang="en-CH"/>
+            <a:endParaRPr lang="en-CH" dirty="0"/>
           </a:p>
         </p:txBody>
       </p:sp>
@@ -28971,6 +28987,46 @@
           </a:graphicData>
         </a:graphic>
       </p:graphicFrame>
+      <p:sp>
+        <p:nvSpPr>
+          <p:cNvPr id="3" name="ZoneTexte 2">
+            <a:extLst>
+              <a:ext uri="{FF2B5EF4-FFF2-40B4-BE49-F238E27FC236}">
+                <a16:creationId xmlns:a16="http://schemas.microsoft.com/office/drawing/2014/main" id="{2FC4F7BF-FED4-3179-9258-652929333E25}"/>
+              </a:ext>
+            </a:extLst>
+          </p:cNvPr>
+          <p:cNvSpPr txBox="1"/>
+          <p:nvPr/>
+        </p:nvSpPr>
+        <p:spPr>
+          <a:xfrm>
+            <a:off x="7126664" y="552976"/>
+            <a:ext cx="4227136" cy="1200329"/>
+          </a:xfrm>
+          <a:prstGeom prst="rect">
+            <a:avLst/>
+          </a:prstGeom>
+          <a:noFill/>
+        </p:spPr>
+        <p:txBody>
+          <a:bodyPr wrap="square" rtlCol="0">
+            <a:spAutoFit/>
+          </a:bodyPr>
+          <a:lstStyle/>
+          <a:p>
+            <a:r>
+              <a:rPr lang="fr-CH" b="0" i="0" dirty="0">
+                <a:effectLst/>
+                <a:latin typeface="Roboto" panose="02000000000000000000" pitchFamily="2" charset="0"/>
+                <a:hlinkClick r:id="rId7"/>
+              </a:rPr>
+              <a:t>https://archive.ics.uci.edu/ml/machine-learning-databases/00519/heart_failure_clinical_records_dataset.csv</a:t>
+            </a:r>
+            <a:endParaRPr lang="fr-CH" dirty="0"/>
+          </a:p>
+        </p:txBody>
+      </p:sp>
     </p:spTree>
     <p:extLst>
       <p:ext uri="{BB962C8B-B14F-4D97-AF65-F5344CB8AC3E}">
@@ -34123,12 +34179,6 @@
 </file>
 
 <file path=customXml/item1.xml><?xml version="1.0" encoding="utf-8"?>
-<p:properties xmlns:p="http://schemas.microsoft.com/office/2006/metadata/properties" xmlns:xsi="http://www.w3.org/2001/XMLSchema-instance" xmlns:pc="http://schemas.microsoft.com/office/infopath/2007/PartnerControls">
-  <documentManagement/>
-</p:properties>
-</file>
-
-<file path=customXml/item2.xml><?xml version="1.0" encoding="utf-8"?>
 <?mso-contentType ?>
 <FormTemplates xmlns="http://schemas.microsoft.com/sharepoint/v3/contenttype/forms">
   <Display>DocumentLibraryForm</Display>
@@ -34137,7 +34187,7 @@
 </FormTemplates>
 </file>
 
-<file path=customXml/item3.xml><?xml version="1.0" encoding="utf-8"?>
+<file path=customXml/item2.xml><?xml version="1.0" encoding="utf-8"?>
 <ct:contentTypeSchema xmlns:ct="http://schemas.microsoft.com/office/2006/metadata/contentType" xmlns:ma="http://schemas.microsoft.com/office/2006/metadata/properties/metaAttributes" ct:_="" ma:_="" ma:contentTypeName="Document" ma:contentTypeID="0x01010019AFF94D23AD4F4F85B20EA31AD84E15" ma:contentTypeVersion="2" ma:contentTypeDescription="Crée un document." ma:contentTypeScope="" ma:versionID="63f1a9486fcbc0ba9b0d729a6135d8c3">
   <xsd:schema xmlns:xsd="http://www.w3.org/2001/XMLSchema" xmlns:xs="http://www.w3.org/2001/XMLSchema" xmlns:p="http://schemas.microsoft.com/office/2006/metadata/properties" xmlns:ns2="de13721e-2470-4287-96dc-ebe15e11726d" targetNamespace="http://schemas.microsoft.com/office/2006/metadata/properties" ma:root="true" ma:fieldsID="a6a88b13aeaac49e9b58d89916531347" ns2:_="">
     <xsd:import namespace="de13721e-2470-4287-96dc-ebe15e11726d"/>
@@ -34269,23 +34319,13 @@
 </ct:contentTypeSchema>
 </file>
 
-<file path=customXml/itemProps1.xml><?xml version="1.0" encoding="utf-8"?>
-<ds:datastoreItem xmlns:ds="http://schemas.openxmlformats.org/officeDocument/2006/customXml" ds:itemID="{57586A2A-01F2-44C7-A2EA-9217985477B6}">
-  <ds:schemaRefs>
-    <ds:schemaRef ds:uri="de13721e-2470-4287-96dc-ebe15e11726d"/>
-    <ds:schemaRef ds:uri="http://purl.org/dc/dcmitype/"/>
-    <ds:schemaRef ds:uri="http://purl.org/dc/elements/1.1/"/>
-    <ds:schemaRef ds:uri="http://purl.org/dc/terms/"/>
-    <ds:schemaRef ds:uri="http://schemas.microsoft.com/office/2006/documentManagement/types"/>
-    <ds:schemaRef ds:uri="http://schemas.microsoft.com/office/2006/metadata/properties"/>
-    <ds:schemaRef ds:uri="http://schemas.microsoft.com/office/infopath/2007/PartnerControls"/>
-    <ds:schemaRef ds:uri="http://schemas.openxmlformats.org/package/2006/metadata/core-properties"/>
-    <ds:schemaRef ds:uri="http://www.w3.org/XML/1998/namespace"/>
-  </ds:schemaRefs>
-</ds:datastoreItem>
+<file path=customXml/item3.xml><?xml version="1.0" encoding="utf-8"?>
+<p:properties xmlns:p="http://schemas.microsoft.com/office/2006/metadata/properties" xmlns:xsi="http://www.w3.org/2001/XMLSchema-instance" xmlns:pc="http://schemas.microsoft.com/office/infopath/2007/PartnerControls">
+  <documentManagement/>
+</p:properties>
 </file>
 
-<file path=customXml/itemProps2.xml><?xml version="1.0" encoding="utf-8"?>
+<file path=customXml/itemProps1.xml><?xml version="1.0" encoding="utf-8"?>
 <ds:datastoreItem xmlns:ds="http://schemas.openxmlformats.org/officeDocument/2006/customXml" ds:itemID="{24D3C5F0-CB75-46A6-BB91-5445D5DB0E46}">
   <ds:schemaRefs>
     <ds:schemaRef ds:uri="http://schemas.microsoft.com/sharepoint/v3/contenttype/forms"/>
@@ -34293,7 +34333,7 @@
 </ds:datastoreItem>
 </file>
 
-<file path=customXml/itemProps3.xml><?xml version="1.0" encoding="utf-8"?>
+<file path=customXml/itemProps2.xml><?xml version="1.0" encoding="utf-8"?>
 <ds:datastoreItem xmlns:ds="http://schemas.openxmlformats.org/officeDocument/2006/customXml" ds:itemID="{1B075C2E-511E-42E9-8E23-99188408EFF6}">
   <ds:schemaRefs>
     <ds:schemaRef ds:uri="de13721e-2470-4287-96dc-ebe15e11726d"/>
@@ -34309,4 +34349,20 @@
     <ds:schemaRef ds:uri="http://www.w3.org/2001/XMLSchema"/>
   </ds:schemaRefs>
 </ds:datastoreItem>
+</file>
+
+<file path=customXml/itemProps3.xml><?xml version="1.0" encoding="utf-8"?>
+<ds:datastoreItem xmlns:ds="http://schemas.openxmlformats.org/officeDocument/2006/customXml" ds:itemID="{57586A2A-01F2-44C7-A2EA-9217985477B6}">
+  <ds:schemaRefs>
+    <ds:schemaRef ds:uri="http://schemas.microsoft.com/office/2006/metadata/properties"/>
+    <ds:schemaRef ds:uri="http://purl.org/dc/terms/"/>
+    <ds:schemaRef ds:uri="http://purl.org/dc/elements/1.1/"/>
+    <ds:schemaRef ds:uri="de13721e-2470-4287-96dc-ebe15e11726d"/>
+    <ds:schemaRef ds:uri="http://schemas.openxmlformats.org/package/2006/metadata/core-properties"/>
+    <ds:schemaRef ds:uri="http://schemas.microsoft.com/office/2006/documentManagement/types"/>
+    <ds:schemaRef ds:uri="http://purl.org/dc/dcmitype/"/>
+    <ds:schemaRef ds:uri="http://schemas.microsoft.com/office/infopath/2007/PartnerControls"/>
+    <ds:schemaRef ds:uri="http://www.w3.org/XML/1998/namespace"/>
+  </ds:schemaRefs>
+</ds:datastoreItem>
 </file>